--- a/Visualization/GlobalCO2Forecasting.pptx
+++ b/Visualization/GlobalCO2Forecasting.pptx
@@ -1,15 +1,15 @@
 
 <file path=ppt/presentation.xml><?xml version="1.0" encoding="utf-8"?>
-<p:presentation xmlns:a="http://schemas.openxmlformats.org/drawingml/2006/main" xmlns:p="http://schemas.openxmlformats.org/presentationml/2006/main" xmlns:r="http://schemas.openxmlformats.org/officeDocument/2006/relationships" saveSubsetFonts="1">
+<p:presentation xmlns:a="http://schemas.openxmlformats.org/drawingml/2006/main" xmlns:r="http://schemas.openxmlformats.org/officeDocument/2006/relationships" xmlns:p="http://schemas.openxmlformats.org/presentationml/2006/main" saveSubsetFonts="1">
   <p:sldMasterIdLst>
     <p:sldMasterId id="2147483648" r:id="rId1"/>
   </p:sldMasterIdLst>
   <p:sldIdLst>
-    <p:sldId id="256" r:id="rId6"/>
-    <p:sldId id="257" r:id="rId7"/>
-    <p:sldId id="258" r:id="rId8"/>
-    <p:sldId id="259" r:id="rId9"/>
-    <p:sldId id="260" r:id="rId10"/>
+    <p:sldId id="256" r:id="rId2"/>
+    <p:sldId id="257" r:id="rId3"/>
+    <p:sldId id="258" r:id="rId4"/>
+    <p:sldId id="259" r:id="rId5"/>
+    <p:sldId id="260" r:id="rId6"/>
   </p:sldIdLst>
   <p:sldSz cx="12192000" cy="6858000"/>
   <p:notesSz cx="6858000" cy="9144000"/>
@@ -17,8 +17,8 @@
     <a:defPPr>
       <a:defRPr lang="en-US"/>
     </a:defPPr>
-    <a:lvl1pPr algn="l" defTabSz="914400" eaLnBrk="1" hangingPunct="1" latinLnBrk="0" marL="0" rtl="0">
-      <a:defRPr kern="1200" sz="1800">
+    <a:lvl1pPr marL="0" algn="l" defTabSz="914400" rtl="0" eaLnBrk="1" latinLnBrk="0" hangingPunct="1">
+      <a:defRPr sz="1800" kern="1200">
         <a:solidFill>
           <a:schemeClr val="tx1"/>
         </a:solidFill>
@@ -27,8 +27,8 @@
         <a:cs typeface="+mn-cs"/>
       </a:defRPr>
     </a:lvl1pPr>
-    <a:lvl2pPr algn="l" defTabSz="914400" eaLnBrk="1" hangingPunct="1" latinLnBrk="0" marL="457200" rtl="0">
-      <a:defRPr kern="1200" sz="1800">
+    <a:lvl2pPr marL="457200" algn="l" defTabSz="914400" rtl="0" eaLnBrk="1" latinLnBrk="0" hangingPunct="1">
+      <a:defRPr sz="1800" kern="1200">
         <a:solidFill>
           <a:schemeClr val="tx1"/>
         </a:solidFill>
@@ -37,8 +37,8 @@
         <a:cs typeface="+mn-cs"/>
       </a:defRPr>
     </a:lvl2pPr>
-    <a:lvl3pPr algn="l" defTabSz="914400" eaLnBrk="1" hangingPunct="1" latinLnBrk="0" marL="914400" rtl="0">
-      <a:defRPr kern="1200" sz="1800">
+    <a:lvl3pPr marL="914400" algn="l" defTabSz="914400" rtl="0" eaLnBrk="1" latinLnBrk="0" hangingPunct="1">
+      <a:defRPr sz="1800" kern="1200">
         <a:solidFill>
           <a:schemeClr val="tx1"/>
         </a:solidFill>
@@ -47,8 +47,8 @@
         <a:cs typeface="+mn-cs"/>
       </a:defRPr>
     </a:lvl3pPr>
-    <a:lvl4pPr algn="l" defTabSz="914400" eaLnBrk="1" hangingPunct="1" latinLnBrk="0" marL="1371600" rtl="0">
-      <a:defRPr kern="1200" sz="1800">
+    <a:lvl4pPr marL="1371600" algn="l" defTabSz="914400" rtl="0" eaLnBrk="1" latinLnBrk="0" hangingPunct="1">
+      <a:defRPr sz="1800" kern="1200">
         <a:solidFill>
           <a:schemeClr val="tx1"/>
         </a:solidFill>
@@ -57,8 +57,8 @@
         <a:cs typeface="+mn-cs"/>
       </a:defRPr>
     </a:lvl4pPr>
-    <a:lvl5pPr algn="l" defTabSz="914400" eaLnBrk="1" hangingPunct="1" latinLnBrk="0" marL="1828800" rtl="0">
-      <a:defRPr kern="1200" sz="1800">
+    <a:lvl5pPr marL="1828800" algn="l" defTabSz="914400" rtl="0" eaLnBrk="1" latinLnBrk="0" hangingPunct="1">
+      <a:defRPr sz="1800" kern="1200">
         <a:solidFill>
           <a:schemeClr val="tx1"/>
         </a:solidFill>
@@ -67,8 +67,8 @@
         <a:cs typeface="+mn-cs"/>
       </a:defRPr>
     </a:lvl5pPr>
-    <a:lvl6pPr algn="l" defTabSz="914400" eaLnBrk="1" hangingPunct="1" latinLnBrk="0" marL="2286000" rtl="0">
-      <a:defRPr kern="1200" sz="1800">
+    <a:lvl6pPr marL="2286000" algn="l" defTabSz="914400" rtl="0" eaLnBrk="1" latinLnBrk="0" hangingPunct="1">
+      <a:defRPr sz="1800" kern="1200">
         <a:solidFill>
           <a:schemeClr val="tx1"/>
         </a:solidFill>
@@ -77,8 +77,8 @@
         <a:cs typeface="+mn-cs"/>
       </a:defRPr>
     </a:lvl6pPr>
-    <a:lvl7pPr algn="l" defTabSz="914400" eaLnBrk="1" hangingPunct="1" latinLnBrk="0" marL="2743200" rtl="0">
-      <a:defRPr kern="1200" sz="1800">
+    <a:lvl7pPr marL="2743200" algn="l" defTabSz="914400" rtl="0" eaLnBrk="1" latinLnBrk="0" hangingPunct="1">
+      <a:defRPr sz="1800" kern="1200">
         <a:solidFill>
           <a:schemeClr val="tx1"/>
         </a:solidFill>
@@ -87,8 +87,8 @@
         <a:cs typeface="+mn-cs"/>
       </a:defRPr>
     </a:lvl7pPr>
-    <a:lvl8pPr algn="l" defTabSz="914400" eaLnBrk="1" hangingPunct="1" latinLnBrk="0" marL="3200400" rtl="0">
-      <a:defRPr kern="1200" sz="1800">
+    <a:lvl8pPr marL="3200400" algn="l" defTabSz="914400" rtl="0" eaLnBrk="1" latinLnBrk="0" hangingPunct="1">
+      <a:defRPr sz="1800" kern="1200">
         <a:solidFill>
           <a:schemeClr val="tx1"/>
         </a:solidFill>
@@ -97,8 +97,8 @@
         <a:cs typeface="+mn-cs"/>
       </a:defRPr>
     </a:lvl8pPr>
-    <a:lvl9pPr algn="l" defTabSz="914400" eaLnBrk="1" hangingPunct="1" latinLnBrk="0" marL="3657600" rtl="0">
-      <a:defRPr kern="1200" sz="1800">
+    <a:lvl9pPr marL="3657600" algn="l" defTabSz="914400" rtl="0" eaLnBrk="1" latinLnBrk="0" hangingPunct="1">
+      <a:defRPr sz="1800" kern="1200">
         <a:solidFill>
           <a:schemeClr val="tx1"/>
         </a:solidFill>
@@ -108,6 +108,11 @@
       </a:defRPr>
     </a:lvl9pPr>
   </p:defaultTextStyle>
+  <p:extLst>
+    <p:ext uri="{EFAFB233-063F-42B5-8137-9DF3F51BA10A}">
+      <p15:sldGuideLst xmlns:p15="http://schemas.microsoft.com/office/powerpoint/2012/main"/>
+    </p:ext>
+  </p:extLst>
 </p:presentation>
 </file>
 
@@ -258,7 +263,7 @@
           <a:p>
             <a:fld id="{EED1C14C-A143-42F5-B247-D0E800131009}" type="datetimeFigureOut">
               <a:rPr lang="en-US" smtClean="0"/>
-              <a:t>8/15/2018</a:t>
+              <a:t>3/6/23</a:t>
             </a:fld>
             <a:endParaRPr lang="en-US"/>
           </a:p>
@@ -312,7 +317,7 @@
           <a:p>
             <a:fld id="{5B03D32D-F1BC-4E9C-97E1-36CFF5B22341}" type="slidenum">
               <a:rPr lang="en-US" smtClean="0"/>
-              <a:t>‹#›</a:t>
+              <a:t>‹N›</a:t>
             </a:fld>
             <a:endParaRPr lang="en-US"/>
           </a:p>
@@ -456,7 +461,7 @@
           <a:p>
             <a:fld id="{EED1C14C-A143-42F5-B247-D0E800131009}" type="datetimeFigureOut">
               <a:rPr lang="en-US" smtClean="0"/>
-              <a:t>8/15/2018</a:t>
+              <a:t>3/6/23</a:t>
             </a:fld>
             <a:endParaRPr lang="en-US"/>
           </a:p>
@@ -510,7 +515,7 @@
           <a:p>
             <a:fld id="{5B03D32D-F1BC-4E9C-97E1-36CFF5B22341}" type="slidenum">
               <a:rPr lang="en-US" smtClean="0"/>
-              <a:t>‹#›</a:t>
+              <a:t>‹N›</a:t>
             </a:fld>
             <a:endParaRPr lang="en-US"/>
           </a:p>
@@ -664,7 +669,7 @@
           <a:p>
             <a:fld id="{EED1C14C-A143-42F5-B247-D0E800131009}" type="datetimeFigureOut">
               <a:rPr lang="en-US" smtClean="0"/>
-              <a:t>8/15/2018</a:t>
+              <a:t>3/6/23</a:t>
             </a:fld>
             <a:endParaRPr lang="en-US"/>
           </a:p>
@@ -718,7 +723,7 @@
           <a:p>
             <a:fld id="{5B03D32D-F1BC-4E9C-97E1-36CFF5B22341}" type="slidenum">
               <a:rPr lang="en-US" smtClean="0"/>
-              <a:t>‹#›</a:t>
+              <a:t>‹N›</a:t>
             </a:fld>
             <a:endParaRPr lang="en-US"/>
           </a:p>
@@ -862,7 +867,7 @@
           <a:p>
             <a:fld id="{EED1C14C-A143-42F5-B247-D0E800131009}" type="datetimeFigureOut">
               <a:rPr lang="en-US" smtClean="0"/>
-              <a:t>8/15/2018</a:t>
+              <a:t>3/6/23</a:t>
             </a:fld>
             <a:endParaRPr lang="en-US"/>
           </a:p>
@@ -916,7 +921,7 @@
           <a:p>
             <a:fld id="{5B03D32D-F1BC-4E9C-97E1-36CFF5B22341}" type="slidenum">
               <a:rPr lang="en-US" smtClean="0"/>
-              <a:t>‹#›</a:t>
+              <a:t>‹N›</a:t>
             </a:fld>
             <a:endParaRPr lang="en-US"/>
           </a:p>
@@ -1137,7 +1142,7 @@
           <a:p>
             <a:fld id="{EED1C14C-A143-42F5-B247-D0E800131009}" type="datetimeFigureOut">
               <a:rPr lang="en-US" smtClean="0"/>
-              <a:t>8/15/2018</a:t>
+              <a:t>3/6/23</a:t>
             </a:fld>
             <a:endParaRPr lang="en-US"/>
           </a:p>
@@ -1191,7 +1196,7 @@
           <a:p>
             <a:fld id="{5B03D32D-F1BC-4E9C-97E1-36CFF5B22341}" type="slidenum">
               <a:rPr lang="en-US" smtClean="0"/>
-              <a:t>‹#›</a:t>
+              <a:t>‹N›</a:t>
             </a:fld>
             <a:endParaRPr lang="en-US"/>
           </a:p>
@@ -1402,7 +1407,7 @@
           <a:p>
             <a:fld id="{EED1C14C-A143-42F5-B247-D0E800131009}" type="datetimeFigureOut">
               <a:rPr lang="en-US" smtClean="0"/>
-              <a:t>8/15/2018</a:t>
+              <a:t>3/6/23</a:t>
             </a:fld>
             <a:endParaRPr lang="en-US"/>
           </a:p>
@@ -1456,7 +1461,7 @@
           <a:p>
             <a:fld id="{5B03D32D-F1BC-4E9C-97E1-36CFF5B22341}" type="slidenum">
               <a:rPr lang="en-US" smtClean="0"/>
-              <a:t>‹#›</a:t>
+              <a:t>‹N›</a:t>
             </a:fld>
             <a:endParaRPr lang="en-US"/>
           </a:p>
@@ -1814,7 +1819,7 @@
           <a:p>
             <a:fld id="{EED1C14C-A143-42F5-B247-D0E800131009}" type="datetimeFigureOut">
               <a:rPr lang="en-US" smtClean="0"/>
-              <a:t>8/15/2018</a:t>
+              <a:t>3/6/23</a:t>
             </a:fld>
             <a:endParaRPr lang="en-US"/>
           </a:p>
@@ -1868,7 +1873,7 @@
           <a:p>
             <a:fld id="{5B03D32D-F1BC-4E9C-97E1-36CFF5B22341}" type="slidenum">
               <a:rPr lang="en-US" smtClean="0"/>
-              <a:t>‹#›</a:t>
+              <a:t>‹N›</a:t>
             </a:fld>
             <a:endParaRPr lang="en-US"/>
           </a:p>
@@ -1955,7 +1960,7 @@
           <a:p>
             <a:fld id="{EED1C14C-A143-42F5-B247-D0E800131009}" type="datetimeFigureOut">
               <a:rPr lang="en-US" smtClean="0"/>
-              <a:t>8/15/2018</a:t>
+              <a:t>3/6/23</a:t>
             </a:fld>
             <a:endParaRPr lang="en-US"/>
           </a:p>
@@ -2009,7 +2014,7 @@
           <a:p>
             <a:fld id="{5B03D32D-F1BC-4E9C-97E1-36CFF5B22341}" type="slidenum">
               <a:rPr lang="en-US" smtClean="0"/>
-              <a:t>‹#›</a:t>
+              <a:t>‹N›</a:t>
             </a:fld>
             <a:endParaRPr lang="en-US"/>
           </a:p>
@@ -2068,7 +2073,7 @@
           <a:p>
             <a:fld id="{EED1C14C-A143-42F5-B247-D0E800131009}" type="datetimeFigureOut">
               <a:rPr lang="en-US" smtClean="0"/>
-              <a:t>8/15/2018</a:t>
+              <a:t>3/6/23</a:t>
             </a:fld>
             <a:endParaRPr lang="en-US"/>
           </a:p>
@@ -2122,7 +2127,7 @@
           <a:p>
             <a:fld id="{5B03D32D-F1BC-4E9C-97E1-36CFF5B22341}" type="slidenum">
               <a:rPr lang="en-US" smtClean="0"/>
-              <a:t>‹#›</a:t>
+              <a:t>‹N›</a:t>
             </a:fld>
             <a:endParaRPr lang="en-US"/>
           </a:p>
@@ -2379,7 +2384,7 @@
           <a:p>
             <a:fld id="{EED1C14C-A143-42F5-B247-D0E800131009}" type="datetimeFigureOut">
               <a:rPr lang="en-US" smtClean="0"/>
-              <a:t>8/15/2018</a:t>
+              <a:t>3/6/23</a:t>
             </a:fld>
             <a:endParaRPr lang="en-US"/>
           </a:p>
@@ -2433,7 +2438,7 @@
           <a:p>
             <a:fld id="{5B03D32D-F1BC-4E9C-97E1-36CFF5B22341}" type="slidenum">
               <a:rPr lang="en-US" smtClean="0"/>
-              <a:t>‹#›</a:t>
+              <a:t>‹N›</a:t>
             </a:fld>
             <a:endParaRPr lang="en-US"/>
           </a:p>
@@ -2667,7 +2672,7 @@
           <a:p>
             <a:fld id="{EED1C14C-A143-42F5-B247-D0E800131009}" type="datetimeFigureOut">
               <a:rPr lang="en-US" smtClean="0"/>
-              <a:t>8/15/2018</a:t>
+              <a:t>3/6/23</a:t>
             </a:fld>
             <a:endParaRPr lang="en-US"/>
           </a:p>
@@ -2721,7 +2726,7 @@
           <a:p>
             <a:fld id="{5B03D32D-F1BC-4E9C-97E1-36CFF5B22341}" type="slidenum">
               <a:rPr lang="en-US" smtClean="0"/>
-              <a:t>‹#›</a:t>
+              <a:t>‹N›</a:t>
             </a:fld>
             <a:endParaRPr lang="en-US"/>
           </a:p>
@@ -2908,7 +2913,7 @@
           <a:p>
             <a:fld id="{EED1C14C-A143-42F5-B247-D0E800131009}" type="datetimeFigureOut">
               <a:rPr lang="en-US" smtClean="0"/>
-              <a:t>8/15/2018</a:t>
+              <a:t>3/6/23</a:t>
             </a:fld>
             <a:endParaRPr lang="en-US"/>
           </a:p>
@@ -2998,7 +3003,7 @@
           <a:p>
             <a:fld id="{5B03D32D-F1BC-4E9C-97E1-36CFF5B22341}" type="slidenum">
               <a:rPr lang="en-US" smtClean="0"/>
-              <a:t>‹#›</a:t>
+              <a:t>‹N›</a:t>
             </a:fld>
             <a:endParaRPr lang="en-US"/>
           </a:p>
@@ -3309,7 +3314,7 @@
 </file>
 
 <file path=ppt/slides/slide1.xml><?xml version="1.0" encoding="utf-8"?>
-<p:sld xmlns:a="http://schemas.openxmlformats.org/drawingml/2006/main" xmlns:p="http://schemas.openxmlformats.org/presentationml/2006/main" xmlns:r="http://schemas.openxmlformats.org/officeDocument/2006/relationships">
+<p:sld xmlns:a="http://schemas.openxmlformats.org/drawingml/2006/main" xmlns:r="http://schemas.openxmlformats.org/officeDocument/2006/relationships" xmlns:p="http://schemas.openxmlformats.org/presentationml/2006/main">
   <p:cSld>
     <p:spTree>
       <p:nvGrpSpPr>
@@ -3327,7 +3332,7 @@
       </p:grpSpPr>
       <p:sp>
         <p:nvSpPr>
-          <p:cNvPr id="0" name="slide1">
+          <p:cNvPr id="2" name="slide1">
             <a:extLst>
               <a:ext uri="{FF2B5EF4-FFF2-40B4-BE49-F238E27FC236}">
                 <a16:creationId xmlns:a16="http://schemas.microsoft.com/office/drawing/2014/main" id="{733D40D2-CCEA-4693-A500-1C8547686A4C}"/>
@@ -3338,16 +3343,15 @@
             <a:spLocks noGrp="1"/>
           </p:cNvSpPr>
           <p:nvPr>
-            <p:ph idx="0" type="ctrTitle"/>
-          </p:nvPr>
-        </p:nvSpPr>
-        <p:spPr/>
-        <p:txBody>
-          <a:bodyPr/>
-          <a:lstStyle/>
-          <a:p>
-            <a:r>
-              <a:rPr/>
+            <p:ph type="ctrTitle"/>
+          </p:nvPr>
+        </p:nvSpPr>
+        <p:spPr/>
+        <p:txBody>
+          <a:bodyPr/>
+          <a:lstStyle/>
+          <a:p>
+            <a:r>
               <a:t>GlobalCO2Forecasting</a:t>
             </a:r>
           </a:p>
@@ -3355,7 +3359,7 @@
       </p:sp>
       <p:sp>
         <p:nvSpPr>
-          <p:cNvPr id="1" name="slide1">
+          <p:cNvPr id="3" name="slide1">
             <a:extLst>
               <a:ext uri="{FF2B5EF4-FFF2-40B4-BE49-F238E27FC236}">
                 <a16:creationId xmlns:a16="http://schemas.microsoft.com/office/drawing/2014/main" id="{43225CA7-0517-4416-A66E-29CDB36E3A9B}"/>
@@ -3366,16 +3370,15 @@
             <a:spLocks noGrp="1"/>
           </p:cNvSpPr>
           <p:nvPr>
-            <p:ph idx="1" type="subTitle"/>
-          </p:nvPr>
-        </p:nvSpPr>
-        <p:spPr/>
-        <p:txBody>
-          <a:bodyPr/>
-          <a:lstStyle/>
-          <a:p>
-            <a:r>
-              <a:rPr/>
+            <p:ph type="subTitle" idx="1"/>
+          </p:nvPr>
+        </p:nvSpPr>
+        <p:spPr/>
+        <p:txBody>
+          <a:bodyPr/>
+          <a:lstStyle/>
+          <a:p>
+            <a:r>
               <a:t>File created on: 06/03/23 11:58:37 CET</a:t>
             </a:r>
           </a:p>
@@ -3395,7 +3398,7 @@
 </file>
 
 <file path=ppt/slides/slide2.xml><?xml version="1.0" encoding="utf-8"?>
-<p:sld xmlns:a="http://schemas.openxmlformats.org/drawingml/2006/main" xmlns:p="http://schemas.openxmlformats.org/presentationml/2006/main" xmlns:r="http://schemas.openxmlformats.org/officeDocument/2006/relationships">
+<p:sld xmlns:a="http://schemas.openxmlformats.org/drawingml/2006/main" xmlns:r="http://schemas.openxmlformats.org/officeDocument/2006/relationships" xmlns:p="http://schemas.openxmlformats.org/presentationml/2006/main">
   <p:cSld>
     <p:spTree>
       <p:nvGrpSpPr>
@@ -3413,7 +3416,7 @@
       </p:grpSpPr>
       <p:pic>
         <p:nvPicPr>
-          <p:cNvPr descr="Sheet 1" id="2" name="slide2">
+          <p:cNvPr id="2" name="slide2" descr="Sheet 1">
             <a:extLst>
               <a:ext uri="{FF2B5EF4-FFF2-40B4-BE49-F238E27FC236}">
                 <a16:creationId xmlns:a16="http://schemas.microsoft.com/office/drawing/2014/main" id="{FD97D938-71C2-4507-A9E6-CDA1E01BE6F0}"/>
@@ -3425,22 +3428,21 @@
           </p:cNvPicPr>
           <p:nvPr/>
         </p:nvPicPr>
-        <p:blipFill>
-          <a:blip r:embed="rId7">
+        <p:blipFill rotWithShape="1">
+          <a:blip r:embed="rId2">
             <a:extLst>
               <a:ext uri="{28A0092B-C50C-407E-A947-70E740481C1C}">
                 <a14:useLocalDpi xmlns:a14="http://schemas.microsoft.com/office/drawing/2010/main" val="0"/>
               </a:ext>
             </a:extLst>
           </a:blip>
-          <a:stretch>
-            <a:fillRect/>
-          </a:stretch>
+          <a:srcRect r="11650" b="3243"/>
+          <a:stretch/>
         </p:blipFill>
         <p:spPr>
           <a:xfrm>
             <a:off x="400050" y="400050"/>
-            <a:ext cx="11391900" cy="6057900"/>
+            <a:ext cx="10064750" cy="5861413"/>
           </a:xfrm>
           <a:prstGeom prst="rect">
             <a:avLst/>
@@ -3461,7 +3463,7 @@
 </file>
 
 <file path=ppt/slides/slide3.xml><?xml version="1.0" encoding="utf-8"?>
-<p:sld xmlns:a="http://schemas.openxmlformats.org/drawingml/2006/main" xmlns:p="http://schemas.openxmlformats.org/presentationml/2006/main" xmlns:r="http://schemas.openxmlformats.org/officeDocument/2006/relationships">
+<p:sld xmlns:a="http://schemas.openxmlformats.org/drawingml/2006/main" xmlns:r="http://schemas.openxmlformats.org/officeDocument/2006/relationships" xmlns:p="http://schemas.openxmlformats.org/presentationml/2006/main">
   <p:cSld>
     <p:spTree>
       <p:nvGrpSpPr>
@@ -3479,7 +3481,7 @@
       </p:grpSpPr>
       <p:pic>
         <p:nvPicPr>
-          <p:cNvPr descr="Sheet 1 (2)" id="3" name="slide3">
+          <p:cNvPr id="3" name="slide3" descr="Sheet 1 (2)">
             <a:extLst>
               <a:ext uri="{FF2B5EF4-FFF2-40B4-BE49-F238E27FC236}">
                 <a16:creationId xmlns:a16="http://schemas.microsoft.com/office/drawing/2014/main" id="{4315D1F0-281C-495D-B8CF-2E6A42E39888}"/>
@@ -3492,7 +3494,7 @@
           <p:nvPr/>
         </p:nvPicPr>
         <p:blipFill>
-          <a:blip r:embed="rId8">
+          <a:blip r:embed="rId2">
             <a:extLst>
               <a:ext uri="{28A0092B-C50C-407E-A947-70E740481C1C}">
                 <a14:useLocalDpi xmlns:a14="http://schemas.microsoft.com/office/drawing/2010/main" val="0"/>
@@ -3527,7 +3529,7 @@
 </file>
 
 <file path=ppt/slides/slide4.xml><?xml version="1.0" encoding="utf-8"?>
-<p:sld xmlns:a="http://schemas.openxmlformats.org/drawingml/2006/main" xmlns:p="http://schemas.openxmlformats.org/presentationml/2006/main" xmlns:r="http://schemas.openxmlformats.org/officeDocument/2006/relationships">
+<p:sld xmlns:a="http://schemas.openxmlformats.org/drawingml/2006/main" xmlns:r="http://schemas.openxmlformats.org/officeDocument/2006/relationships" xmlns:p="http://schemas.openxmlformats.org/presentationml/2006/main">
   <p:cSld>
     <p:spTree>
       <p:nvGrpSpPr>
@@ -3545,7 +3547,7 @@
       </p:grpSpPr>
       <p:pic>
         <p:nvPicPr>
-          <p:cNvPr descr="Sheet 1 (3)" id="4" name="slide4">
+          <p:cNvPr id="4" name="slide4" descr="Sheet 1 (3)">
             <a:extLst>
               <a:ext uri="{FF2B5EF4-FFF2-40B4-BE49-F238E27FC236}">
                 <a16:creationId xmlns:a16="http://schemas.microsoft.com/office/drawing/2014/main" id="{AEF97A33-B01F-4383-BFB2-3455F50A0E54}"/>
@@ -3558,7 +3560,7 @@
           <p:nvPr/>
         </p:nvPicPr>
         <p:blipFill>
-          <a:blip r:embed="rId9">
+          <a:blip r:embed="rId2">
             <a:extLst>
               <a:ext uri="{28A0092B-C50C-407E-A947-70E740481C1C}">
                 <a14:useLocalDpi xmlns:a14="http://schemas.microsoft.com/office/drawing/2010/main" val="0"/>
@@ -3593,7 +3595,7 @@
 </file>
 
 <file path=ppt/slides/slide5.xml><?xml version="1.0" encoding="utf-8"?>
-<p:sld xmlns:a="http://schemas.openxmlformats.org/drawingml/2006/main" xmlns:p="http://schemas.openxmlformats.org/presentationml/2006/main" xmlns:r="http://schemas.openxmlformats.org/officeDocument/2006/relationships">
+<p:sld xmlns:a="http://schemas.openxmlformats.org/drawingml/2006/main" xmlns:r="http://schemas.openxmlformats.org/officeDocument/2006/relationships" xmlns:p="http://schemas.openxmlformats.org/presentationml/2006/main">
   <p:cSld>
     <p:spTree>
       <p:nvGrpSpPr>
@@ -3611,7 +3613,7 @@
       </p:grpSpPr>
       <p:pic>
         <p:nvPicPr>
-          <p:cNvPr descr="Sheet 1 (4)" id="5" name="slide5">
+          <p:cNvPr id="5" name="slide5" descr="Sheet 1 (4)">
             <a:extLst>
               <a:ext uri="{FF2B5EF4-FFF2-40B4-BE49-F238E27FC236}">
                 <a16:creationId xmlns:a16="http://schemas.microsoft.com/office/drawing/2014/main" id="{3F2D24FF-C17B-41B7-90B9-F42F4FFC08AE}"/>
@@ -3624,7 +3626,7 @@
           <p:nvPr/>
         </p:nvPicPr>
         <p:blipFill>
-          <a:blip r:embed="rId10">
+          <a:blip r:embed="rId2">
             <a:extLst>
               <a:ext uri="{28A0092B-C50C-407E-A947-70E740481C1C}">
                 <a14:useLocalDpi xmlns:a14="http://schemas.microsoft.com/office/drawing/2010/main" val="0"/>
@@ -3645,36 +3647,6 @@
           </a:prstGeom>
         </p:spPr>
       </p:pic>
-    </p:spTree>
-    <p:extLst>
-      <p:ext uri="{BB962C8B-B14F-4D97-AF65-F5344CB8AC3E}">
-        <p14:creationId xmlns:p14="http://schemas.microsoft.com/office/powerpoint/2010/main" val="95992585"/>
-      </p:ext>
-    </p:extLst>
-  </p:cSld>
-  <p:clrMapOvr>
-    <a:masterClrMapping/>
-  </p:clrMapOvr>
-</p:sld>
-</file>
-
-<file path=ppt/slides/slideTemplate.xml><?xml version="1.0" encoding="utf-8"?>
-<p:sld xmlns:a="http://schemas.openxmlformats.org/drawingml/2006/main" xmlns:r="http://schemas.openxmlformats.org/officeDocument/2006/relationships" xmlns:p="http://schemas.openxmlformats.org/presentationml/2006/main">
-  <p:cSld>
-    <p:spTree>
-      <p:nvGrpSpPr>
-        <p:cNvPr id="1" name=""/>
-        <p:cNvGrpSpPr/>
-        <p:nvPr/>
-      </p:nvGrpSpPr>
-      <p:grpSpPr>
-        <a:xfrm>
-          <a:off x="0" y="0"/>
-          <a:ext cx="0" cy="0"/>
-          <a:chOff x="0" y="0"/>
-          <a:chExt cx="0" cy="0"/>
-        </a:xfrm>
-      </p:grpSpPr>
     </p:spTree>
     <p:extLst>
       <p:ext uri="{BB962C8B-B14F-4D97-AF65-F5344CB8AC3E}">
